--- a/ShopEase-Modern-E-commerce-Frontend-Website.pptx
+++ b/ShopEase-Modern-E-commerce-Frontend-Website.pptx
@@ -21,7 +21,7 @@
   <p:notesSz cx="8229600" cy="14630400"/>
   <p:embeddedFontLst>
     <p:embeddedFont>
-      <p:font typeface="Barlow Bold" panose="00000800000000000000" pitchFamily="2" charset="0"/>
+      <p:font typeface="Barlow Bold" panose="020B0604020202020204" charset="0"/>
       <p:bold r:id="rId11"/>
     </p:embeddedFont>
     <p:embeddedFont>
@@ -5490,7 +5490,7 @@
                 <a:ea typeface="Montserrat" pitchFamily="34" charset="-122"/>
                 <a:cs typeface="Montserrat" pitchFamily="34" charset="-120"/>
               </a:rPr>
-              <a:t>GitHub Repositories:</a:t>
+              <a:t>GitHub Repository &amp; live link:</a:t>
             </a:r>
             <a:endParaRPr lang="en-US" sz="1900" dirty="0"/>
           </a:p>
@@ -5498,13 +5498,13 @@
       </p:sp>
       <p:sp>
         <p:nvSpPr>
-          <p:cNvPr id="10" name="Text 8"/>
-          <p:cNvSpPr/>
-          <p:nvPr/>
-        </p:nvSpPr>
-        <p:spPr>
-          <a:xfrm>
-            <a:off x="864037" y="5964912"/>
+          <p:cNvPr id="11" name="Text 9"/>
+          <p:cNvSpPr/>
+          <p:nvPr/>
+        </p:nvSpPr>
+        <p:spPr>
+          <a:xfrm>
+            <a:off x="874670" y="6446282"/>
             <a:ext cx="12902327" cy="395049"/>
           </a:xfrm>
           <a:prstGeom prst="rect">
@@ -5540,7 +5540,7 @@
                   </a:extLst>
                 </a:hlinkClick>
               </a:rPr>
-              <a:t>feb-2025-final-project-and-deployment-Silas-Hakuzwimana</a:t>
+              <a:t>https://github.com/Silas-Hakuzwimana/final-project.git</a:t>
             </a:r>
             <a:endParaRPr lang="en-US" sz="1900" dirty="0"/>
           </a:p>
@@ -5548,13 +5548,50 @@
       </p:sp>
       <p:sp>
         <p:nvSpPr>
-          <p:cNvPr id="11" name="Text 9"/>
-          <p:cNvSpPr/>
-          <p:nvPr/>
-        </p:nvSpPr>
-        <p:spPr>
-          <a:xfrm>
-            <a:off x="874670" y="6446282"/>
+          <p:cNvPr id="12" name="Text 10"/>
+          <p:cNvSpPr/>
+          <p:nvPr/>
+        </p:nvSpPr>
+        <p:spPr>
+          <a:xfrm>
+            <a:off x="864037" y="7118985"/>
+            <a:ext cx="12902327" cy="395049"/>
+          </a:xfrm>
+          <a:prstGeom prst="rect">
+            <a:avLst/>
+          </a:prstGeom>
+          <a:noFill/>
+          <a:ln/>
+        </p:spPr>
+        <p:txBody>
+          <a:bodyPr wrap="none" lIns="0" tIns="0" rIns="0" bIns="0" rtlCol="0" anchor="t"/>
+          <a:lstStyle/>
+          <a:p>
+            <a:pPr marL="0" indent="0" algn="l">
+              <a:lnSpc>
+                <a:spcPts val="3100"/>
+              </a:lnSpc>
+              <a:buNone/>
+            </a:pPr>
+            <a:endParaRPr lang="en-US" sz="1900" dirty="0"/>
+          </a:p>
+        </p:txBody>
+      </p:sp>
+      <p:sp>
+        <p:nvSpPr>
+          <p:cNvPr id="13" name="Text 9">
+            <a:extLst>
+              <a:ext uri="{FF2B5EF4-FFF2-40B4-BE49-F238E27FC236}">
+                <a16:creationId xmlns:a16="http://schemas.microsoft.com/office/drawing/2014/main" id="{9FDA9F54-D565-4823-8B74-B6EC42AF6F94}"/>
+              </a:ext>
+            </a:extLst>
+          </p:cNvPr>
+          <p:cNvSpPr/>
+          <p:nvPr/>
+        </p:nvSpPr>
+        <p:spPr>
+          <a:xfrm>
+            <a:off x="864037" y="6927651"/>
             <a:ext cx="12902327" cy="395049"/>
           </a:xfrm>
           <a:prstGeom prst="rect">
@@ -5582,85 +5619,9 @@
                 <a:latin typeface="Montserrat" pitchFamily="34" charset="0"/>
                 <a:ea typeface="Montserrat" pitchFamily="34" charset="-122"/>
                 <a:cs typeface="Montserrat" pitchFamily="34" charset="-120"/>
-                <a:hlinkClick r:id="rId7">
-                  <a:extLst>
-                    <a:ext uri="{A12FA001-AC4F-418D-AE19-62706E023703}">
-                      <ahyp:hlinkClr xmlns:ahyp="http://schemas.microsoft.com/office/drawing/2018/hyperlinkcolor" val="tx"/>
-                    </a:ext>
-                  </a:extLst>
-                </a:hlinkClick>
-              </a:rPr>
-              <a:t>https://github.com/Silas-Hakuzwimana/final-project.git</a:t>
-            </a:r>
-            <a:endParaRPr lang="en-US" sz="1900" dirty="0"/>
-          </a:p>
-        </p:txBody>
-      </p:sp>
-      <p:sp>
-        <p:nvSpPr>
-          <p:cNvPr id="12" name="Text 10"/>
-          <p:cNvSpPr/>
-          <p:nvPr/>
-        </p:nvSpPr>
-        <p:spPr>
-          <a:xfrm>
-            <a:off x="864037" y="7118985"/>
-            <a:ext cx="12902327" cy="395049"/>
-          </a:xfrm>
-          <a:prstGeom prst="rect">
-            <a:avLst/>
-          </a:prstGeom>
-          <a:noFill/>
-          <a:ln/>
-        </p:spPr>
-        <p:txBody>
-          <a:bodyPr wrap="none" lIns="0" tIns="0" rIns="0" bIns="0" rtlCol="0" anchor="t"/>
-          <a:lstStyle/>
-          <a:p>
-            <a:pPr marL="0" indent="0" algn="l">
-              <a:lnSpc>
-                <a:spcPts val="3100"/>
-              </a:lnSpc>
-              <a:buNone/>
-            </a:pPr>
-            <a:endParaRPr lang="en-US" sz="1900" dirty="0"/>
-          </a:p>
-        </p:txBody>
-      </p:sp>
-      <p:sp>
-        <p:nvSpPr>
-          <p:cNvPr id="13" name="Text 9">
-            <a:extLst>
-              <a:ext uri="{FF2B5EF4-FFF2-40B4-BE49-F238E27FC236}">
-                <a16:creationId xmlns:a16="http://schemas.microsoft.com/office/drawing/2014/main" id="{9FDA9F54-D565-4823-8B74-B6EC42AF6F94}"/>
-              </a:ext>
-            </a:extLst>
-          </p:cNvPr>
-          <p:cNvSpPr/>
-          <p:nvPr/>
-        </p:nvSpPr>
-        <p:spPr>
-          <a:xfrm>
-            <a:off x="864037" y="6927651"/>
-            <a:ext cx="12902327" cy="395049"/>
-          </a:xfrm>
-          <a:prstGeom prst="rect">
-            <a:avLst/>
-          </a:prstGeom>
-          <a:noFill/>
-          <a:ln/>
-        </p:spPr>
-        <p:txBody>
-          <a:bodyPr wrap="none" lIns="0" tIns="0" rIns="0" bIns="0" rtlCol="0" anchor="t"/>
-          <a:lstStyle/>
-          <a:p>
-            <a:pPr marL="685800" lvl="1" indent="-342900" algn="l">
-              <a:lnSpc>
-                <a:spcPts val="3100"/>
-              </a:lnSpc>
-              <a:buSzPct val="100000"/>
-              <a:buChar char="•"/>
-            </a:pPr>
+              </a:rPr>
+              <a:t>Live link: </a:t>
+            </a:r>
             <a:r>
               <a:rPr lang="en-US" sz="1900" u="sng" dirty="0">
                 <a:solidFill>
@@ -5669,18 +5630,7 @@
                 <a:latin typeface="Montserrat" pitchFamily="34" charset="0"/>
                 <a:ea typeface="Montserrat" pitchFamily="34" charset="-122"/>
                 <a:cs typeface="Montserrat" pitchFamily="34" charset="-120"/>
-              </a:rPr>
-              <a:t>Live link: </a:t>
-            </a:r>
-            <a:r>
-              <a:rPr lang="en-US" sz="1900" u="sng" dirty="0">
-                <a:solidFill>
-                  <a:srgbClr val="359DDF"/>
-                </a:solidFill>
-                <a:latin typeface="Montserrat" pitchFamily="34" charset="0"/>
-                <a:ea typeface="Montserrat" pitchFamily="34" charset="-122"/>
-                <a:cs typeface="Montserrat" pitchFamily="34" charset="-120"/>
-                <a:hlinkClick r:id="rId8"/>
+                <a:hlinkClick r:id="rId7"/>
               </a:rPr>
               <a:t>https://taupe-sopapillas-48e4a5.netlify.app/</a:t>
             </a:r>
